--- a/Presentation 01.pptx
+++ b/Presentation 01.pptx
@@ -104,6 +104,11 @@
       </a:defRPr>
     </a:lvl9pPr>
   </p:defaultTextStyle>
+  <p:extLst>
+    <p:ext uri="{EFAFB233-063F-42B5-8137-9DF3F51BA10A}">
+      <p15:sldGuideLst xmlns:p15="http://schemas.microsoft.com/office/powerpoint/2012/main"/>
+    </p:ext>
+  </p:extLst>
 </p:presentation>
 </file>
 
@@ -256,7 +261,7 @@
           <a:p>
             <a:fld id="{7024021C-F348-468B-9D5F-62BA1DFFC711}" type="datetimeFigureOut">
               <a:rPr lang="de-DE" smtClean="0"/>
-              <a:t>10.01.2024</a:t>
+              <a:t>11.01.2024</a:t>
             </a:fld>
             <a:endParaRPr lang="de-DE"/>
           </a:p>
@@ -456,7 +461,7 @@
           <a:p>
             <a:fld id="{7024021C-F348-468B-9D5F-62BA1DFFC711}" type="datetimeFigureOut">
               <a:rPr lang="de-DE" smtClean="0"/>
-              <a:t>10.01.2024</a:t>
+              <a:t>11.01.2024</a:t>
             </a:fld>
             <a:endParaRPr lang="de-DE"/>
           </a:p>
@@ -666,7 +671,7 @@
           <a:p>
             <a:fld id="{7024021C-F348-468B-9D5F-62BA1DFFC711}" type="datetimeFigureOut">
               <a:rPr lang="de-DE" smtClean="0"/>
-              <a:t>10.01.2024</a:t>
+              <a:t>11.01.2024</a:t>
             </a:fld>
             <a:endParaRPr lang="de-DE"/>
           </a:p>
@@ -866,7 +871,7 @@
           <a:p>
             <a:fld id="{7024021C-F348-468B-9D5F-62BA1DFFC711}" type="datetimeFigureOut">
               <a:rPr lang="de-DE" smtClean="0"/>
-              <a:t>10.01.2024</a:t>
+              <a:t>11.01.2024</a:t>
             </a:fld>
             <a:endParaRPr lang="de-DE"/>
           </a:p>
@@ -1142,7 +1147,7 @@
           <a:p>
             <a:fld id="{7024021C-F348-468B-9D5F-62BA1DFFC711}" type="datetimeFigureOut">
               <a:rPr lang="de-DE" smtClean="0"/>
-              <a:t>10.01.2024</a:t>
+              <a:t>11.01.2024</a:t>
             </a:fld>
             <a:endParaRPr lang="de-DE"/>
           </a:p>
@@ -1410,7 +1415,7 @@
           <a:p>
             <a:fld id="{7024021C-F348-468B-9D5F-62BA1DFFC711}" type="datetimeFigureOut">
               <a:rPr lang="de-DE" smtClean="0"/>
-              <a:t>10.01.2024</a:t>
+              <a:t>11.01.2024</a:t>
             </a:fld>
             <a:endParaRPr lang="de-DE"/>
           </a:p>
@@ -1825,7 +1830,7 @@
           <a:p>
             <a:fld id="{7024021C-F348-468B-9D5F-62BA1DFFC711}" type="datetimeFigureOut">
               <a:rPr lang="de-DE" smtClean="0"/>
-              <a:t>10.01.2024</a:t>
+              <a:t>11.01.2024</a:t>
             </a:fld>
             <a:endParaRPr lang="de-DE"/>
           </a:p>
@@ -1967,7 +1972,7 @@
           <a:p>
             <a:fld id="{7024021C-F348-468B-9D5F-62BA1DFFC711}" type="datetimeFigureOut">
               <a:rPr lang="de-DE" smtClean="0"/>
-              <a:t>10.01.2024</a:t>
+              <a:t>11.01.2024</a:t>
             </a:fld>
             <a:endParaRPr lang="de-DE"/>
           </a:p>
@@ -2080,7 +2085,7 @@
           <a:p>
             <a:fld id="{7024021C-F348-468B-9D5F-62BA1DFFC711}" type="datetimeFigureOut">
               <a:rPr lang="de-DE" smtClean="0"/>
-              <a:t>10.01.2024</a:t>
+              <a:t>11.01.2024</a:t>
             </a:fld>
             <a:endParaRPr lang="de-DE"/>
           </a:p>
@@ -2393,7 +2398,7 @@
           <a:p>
             <a:fld id="{7024021C-F348-468B-9D5F-62BA1DFFC711}" type="datetimeFigureOut">
               <a:rPr lang="de-DE" smtClean="0"/>
-              <a:t>10.01.2024</a:t>
+              <a:t>11.01.2024</a:t>
             </a:fld>
             <a:endParaRPr lang="de-DE"/>
           </a:p>
@@ -2682,7 +2687,7 @@
           <a:p>
             <a:fld id="{7024021C-F348-468B-9D5F-62BA1DFFC711}" type="datetimeFigureOut">
               <a:rPr lang="de-DE" smtClean="0"/>
-              <a:t>10.01.2024</a:t>
+              <a:t>11.01.2024</a:t>
             </a:fld>
             <a:endParaRPr lang="de-DE"/>
           </a:p>
@@ -2925,7 +2930,7 @@
           <a:p>
             <a:fld id="{7024021C-F348-468B-9D5F-62BA1DFFC711}" type="datetimeFigureOut">
               <a:rPr lang="de-DE" smtClean="0"/>
-              <a:t>10.01.2024</a:t>
+              <a:t>11.01.2024</a:t>
             </a:fld>
             <a:endParaRPr lang="de-DE"/>
           </a:p>
@@ -4289,6 +4294,46 @@
           <a:xfrm>
             <a:off x="6093655" y="2961143"/>
             <a:ext cx="232119" cy="0"/>
+          </a:xfrm>
+          <a:prstGeom prst="line">
+            <a:avLst/>
+          </a:prstGeom>
+        </p:spPr>
+        <p:style>
+          <a:lnRef idx="1">
+            <a:schemeClr val="accent1"/>
+          </a:lnRef>
+          <a:fillRef idx="0">
+            <a:schemeClr val="accent1"/>
+          </a:fillRef>
+          <a:effectRef idx="0">
+            <a:schemeClr val="accent1"/>
+          </a:effectRef>
+          <a:fontRef idx="minor">
+            <a:schemeClr val="tx1"/>
+          </a:fontRef>
+        </p:style>
+      </p:cxnSp>
+      <p:cxnSp>
+        <p:nvCxnSpPr>
+          <p:cNvPr id="3" name="Прямая соединительная линия 2">
+            <a:extLst>
+              <a:ext uri="{FF2B5EF4-FFF2-40B4-BE49-F238E27FC236}">
+                <a16:creationId xmlns:a16="http://schemas.microsoft.com/office/drawing/2014/main" id="{216661D9-897F-4830-BFAE-9D59B6AA0A38}"/>
+              </a:ext>
+            </a:extLst>
+          </p:cNvPr>
+          <p:cNvCxnSpPr>
+            <a:cxnSpLocks/>
+            <a:stCxn id="9" idx="2"/>
+            <a:endCxn id="6" idx="0"/>
+          </p:cNvCxnSpPr>
+          <p:nvPr/>
+        </p:nvCxnSpPr>
+        <p:spPr>
+          <a:xfrm flipH="1">
+            <a:off x="4064624" y="3268537"/>
+            <a:ext cx="4040127" cy="1270508"/>
           </a:xfrm>
           <a:prstGeom prst="line">
             <a:avLst/>
